--- a/Documentation/Presentation Deck.pptx
+++ b/Documentation/Presentation Deck.pptx
@@ -9,17 +9,18 @@
     <p:sldId id="257" r:id="rId3"/>
     <p:sldId id="258" r:id="rId4"/>
     <p:sldId id="259" r:id="rId5"/>
-    <p:sldId id="261" r:id="rId6"/>
-    <p:sldId id="262" r:id="rId7"/>
-    <p:sldId id="260" r:id="rId8"/>
-    <p:sldId id="264" r:id="rId9"/>
-    <p:sldId id="265" r:id="rId10"/>
-    <p:sldId id="263" r:id="rId11"/>
-    <p:sldId id="266" r:id="rId12"/>
-    <p:sldId id="267" r:id="rId13"/>
-    <p:sldId id="268" r:id="rId14"/>
-    <p:sldId id="269" r:id="rId15"/>
-    <p:sldId id="270" r:id="rId16"/>
+    <p:sldId id="271" r:id="rId6"/>
+    <p:sldId id="261" r:id="rId7"/>
+    <p:sldId id="262" r:id="rId8"/>
+    <p:sldId id="260" r:id="rId9"/>
+    <p:sldId id="264" r:id="rId10"/>
+    <p:sldId id="265" r:id="rId11"/>
+    <p:sldId id="263" r:id="rId12"/>
+    <p:sldId id="266" r:id="rId13"/>
+    <p:sldId id="267" r:id="rId14"/>
+    <p:sldId id="268" r:id="rId15"/>
+    <p:sldId id="269" r:id="rId16"/>
+    <p:sldId id="270" r:id="rId17"/>
   </p:sldIdLst>
   <p:sldSz cx="12192000" cy="6858000"/>
   <p:notesSz cx="6858000" cy="9144000"/>
@@ -118,7 +119,95 @@
       </a:defRPr>
     </a:lvl9pPr>
   </p:defaultTextStyle>
+  <p:extLst>
+    <p:ext uri="{EFAFB233-063F-42B5-8137-9DF3F51BA10A}">
+      <p15:sldGuideLst xmlns:p15="http://schemas.microsoft.com/office/powerpoint/2012/main"/>
+    </p:ext>
+  </p:extLst>
 </p:presentation>
+</file>
+
+<file path=ppt/changesInfos/changesInfo1.xml><?xml version="1.0" encoding="utf-8"?>
+<pc:chgInfo xmlns:a="http://schemas.openxmlformats.org/drawingml/2006/main" xmlns:r="http://schemas.openxmlformats.org/officeDocument/2006/relationships" xmlns:ac="http://schemas.microsoft.com/office/drawing/2013/main/command" xmlns:pc="http://schemas.microsoft.com/office/powerpoint/2013/main/command">
+  <pc:docChgLst>
+    <pc:chgData name="Karthik Peddi" userId="7bcc2043b1450190" providerId="LiveId" clId="{468BBE0A-FEE4-4DA9-B52B-437103CA0D27}"/>
+    <pc:docChg chg="custSel addSld modSld">
+      <pc:chgData name="Karthik Peddi" userId="7bcc2043b1450190" providerId="LiveId" clId="{468BBE0A-FEE4-4DA9-B52B-437103CA0D27}" dt="2022-06-08T14:43:52.696" v="23" actId="1076"/>
+      <pc:docMkLst>
+        <pc:docMk/>
+      </pc:docMkLst>
+      <pc:sldChg chg="modSp mod">
+        <pc:chgData name="Karthik Peddi" userId="7bcc2043b1450190" providerId="LiveId" clId="{468BBE0A-FEE4-4DA9-B52B-437103CA0D27}" dt="2022-05-30T09:23:03.526" v="0" actId="33524"/>
+        <pc:sldMkLst>
+          <pc:docMk/>
+          <pc:sldMk cId="2317267083" sldId="257"/>
+        </pc:sldMkLst>
+        <pc:spChg chg="mod">
+          <ac:chgData name="Karthik Peddi" userId="7bcc2043b1450190" providerId="LiveId" clId="{468BBE0A-FEE4-4DA9-B52B-437103CA0D27}" dt="2022-05-30T09:23:03.526" v="0" actId="33524"/>
+          <ac:spMkLst>
+            <pc:docMk/>
+            <pc:sldMk cId="2317267083" sldId="257"/>
+            <ac:spMk id="3" creationId="{F67507B2-A547-7F13-20C1-9F44C8D110AB}"/>
+          </ac:spMkLst>
+        </pc:spChg>
+      </pc:sldChg>
+      <pc:sldChg chg="modSp mod">
+        <pc:chgData name="Karthik Peddi" userId="7bcc2043b1450190" providerId="LiveId" clId="{468BBE0A-FEE4-4DA9-B52B-437103CA0D27}" dt="2022-06-08T14:40:54.076" v="3" actId="20577"/>
+        <pc:sldMkLst>
+          <pc:docMk/>
+          <pc:sldMk cId="10072079" sldId="258"/>
+        </pc:sldMkLst>
+        <pc:spChg chg="mod">
+          <ac:chgData name="Karthik Peddi" userId="7bcc2043b1450190" providerId="LiveId" clId="{468BBE0A-FEE4-4DA9-B52B-437103CA0D27}" dt="2022-06-08T14:40:54.076" v="3" actId="20577"/>
+          <ac:spMkLst>
+            <pc:docMk/>
+            <pc:sldMk cId="10072079" sldId="258"/>
+            <ac:spMk id="3" creationId="{6B07DC7E-EC01-4773-B907-0704EAE4153E}"/>
+          </ac:spMkLst>
+        </pc:spChg>
+      </pc:sldChg>
+      <pc:sldChg chg="addSp delSp modSp add mod">
+        <pc:chgData name="Karthik Peddi" userId="7bcc2043b1450190" providerId="LiveId" clId="{468BBE0A-FEE4-4DA9-B52B-437103CA0D27}" dt="2022-06-08T14:43:52.696" v="23" actId="1076"/>
+        <pc:sldMkLst>
+          <pc:docMk/>
+          <pc:sldMk cId="311600208" sldId="271"/>
+        </pc:sldMkLst>
+        <pc:spChg chg="mod">
+          <ac:chgData name="Karthik Peddi" userId="7bcc2043b1450190" providerId="LiveId" clId="{468BBE0A-FEE4-4DA9-B52B-437103CA0D27}" dt="2022-06-08T14:42:56.637" v="15" actId="20577"/>
+          <ac:spMkLst>
+            <pc:docMk/>
+            <pc:sldMk cId="311600208" sldId="271"/>
+            <ac:spMk id="2" creationId="{5153E5DC-9EE5-E56A-6F4E-5E09B2803BC8}"/>
+          </ac:spMkLst>
+        </pc:spChg>
+        <pc:spChg chg="del mod">
+          <ac:chgData name="Karthik Peddi" userId="7bcc2043b1450190" providerId="LiveId" clId="{468BBE0A-FEE4-4DA9-B52B-437103CA0D27}" dt="2022-06-08T14:43:00.586" v="17" actId="478"/>
+          <ac:spMkLst>
+            <pc:docMk/>
+            <pc:sldMk cId="311600208" sldId="271"/>
+            <ac:spMk id="3" creationId="{6B07DC7E-EC01-4773-B907-0704EAE4153E}"/>
+          </ac:spMkLst>
+        </pc:spChg>
+        <pc:spChg chg="add del mod">
+          <ac:chgData name="Karthik Peddi" userId="7bcc2043b1450190" providerId="LiveId" clId="{468BBE0A-FEE4-4DA9-B52B-437103CA0D27}" dt="2022-06-08T14:43:46.343" v="21" actId="478"/>
+          <ac:spMkLst>
+            <pc:docMk/>
+            <pc:sldMk cId="311600208" sldId="271"/>
+            <ac:spMk id="5" creationId="{7CBF6F36-5C89-4014-5CBA-1494EC7710E2}"/>
+          </ac:spMkLst>
+        </pc:spChg>
+        <pc:picChg chg="add mod">
+          <ac:chgData name="Karthik Peddi" userId="7bcc2043b1450190" providerId="LiveId" clId="{468BBE0A-FEE4-4DA9-B52B-437103CA0D27}" dt="2022-06-08T14:43:52.696" v="23" actId="1076"/>
+          <ac:picMkLst>
+            <pc:docMk/>
+            <pc:sldMk cId="311600208" sldId="271"/>
+            <ac:picMk id="7" creationId="{AD5390FA-A950-B356-A88B-D06DF0D90D9F}"/>
+          </ac:picMkLst>
+        </pc:picChg>
+      </pc:sldChg>
+    </pc:docChg>
+  </pc:docChgLst>
+</pc:chgInfo>
 </file>
 
 <file path=ppt/slideLayouts/slideLayout1.xml><?xml version="1.0" encoding="utf-8"?>
@@ -277,7 +366,7 @@
             <a:fld id="{11A6662E-FAF4-44BC-88B5-85A7CBFB6D30}" type="datetime1">
               <a:rPr lang="en-US" smtClean="0"/>
               <a:pPr/>
-              <a:t>5/17/2022</a:t>
+              <a:t>6/8/2022</a:t>
             </a:fld>
             <a:endParaRPr lang="en-US"/>
           </a:p>
@@ -488,7 +577,7 @@
           <a:p>
             <a:fld id="{4C559632-1575-4E14-B53B-3DC3D5ED3947}" type="datetime1">
               <a:rPr lang="en-US" smtClean="0"/>
-              <a:t>5/17/2022</a:t>
+              <a:t>6/8/2022</a:t>
             </a:fld>
             <a:endParaRPr lang="en-US"/>
           </a:p>
@@ -696,7 +785,7 @@
           <a:p>
             <a:fld id="{CC4A6868-2568-4CC9-B302-F37117B01A6E}" type="datetime1">
               <a:rPr lang="en-US" smtClean="0"/>
-              <a:t>5/17/2022</a:t>
+              <a:t>6/8/2022</a:t>
             </a:fld>
             <a:endParaRPr lang="en-US"/>
           </a:p>
@@ -899,7 +988,7 @@
           <a:p>
             <a:fld id="{0055F08A-1E71-4B2B-BB49-E743F2903911}" type="datetime1">
               <a:rPr lang="en-US" smtClean="0"/>
-              <a:t>5/17/2022</a:t>
+              <a:t>6/8/2022</a:t>
             </a:fld>
             <a:endParaRPr lang="en-US" dirty="0"/>
           </a:p>
@@ -1173,7 +1262,7 @@
           <a:p>
             <a:fld id="{15417D9E-721A-44BB-8863-9873FE64DA75}" type="datetime1">
               <a:rPr lang="en-US" smtClean="0"/>
-              <a:t>5/17/2022</a:t>
+              <a:t>6/8/2022</a:t>
             </a:fld>
             <a:endParaRPr lang="en-US"/>
           </a:p>
@@ -1443,7 +1532,7 @@
           <a:p>
             <a:fld id="{5F31DA2F-80B8-49CF-99FB-5ABCA53A607A}" type="datetime1">
               <a:rPr lang="en-US" smtClean="0"/>
-              <a:t>5/17/2022</a:t>
+              <a:t>6/8/2022</a:t>
             </a:fld>
             <a:endParaRPr lang="en-US"/>
           </a:p>
@@ -1856,7 +1945,7 @@
           <a:p>
             <a:fld id="{28852172-E6C9-4B6C-929A-A9DE3837BBF1}" type="datetime1">
               <a:rPr lang="en-US" smtClean="0"/>
-              <a:t>5/17/2022</a:t>
+              <a:t>6/8/2022</a:t>
             </a:fld>
             <a:endParaRPr lang="en-US"/>
           </a:p>
@@ -2002,7 +2091,7 @@
           <a:p>
             <a:fld id="{3AB41CFF-90C9-47B3-9DA1-F2BF8D839F7E}" type="datetime1">
               <a:rPr lang="en-US" smtClean="0"/>
-              <a:t>5/17/2022</a:t>
+              <a:t>6/8/2022</a:t>
             </a:fld>
             <a:endParaRPr lang="en-US"/>
           </a:p>
@@ -2115,7 +2204,7 @@
           <a:p>
             <a:fld id="{F06048FA-06AB-4884-A69B-986B96E68A24}" type="datetime1">
               <a:rPr lang="en-US" smtClean="0"/>
-              <a:t>5/17/2022</a:t>
+              <a:t>6/8/2022</a:t>
             </a:fld>
             <a:endParaRPr lang="en-US"/>
           </a:p>
@@ -2426,7 +2515,7 @@
           <a:p>
             <a:fld id="{50DB7ABA-0172-4F9C-889D-567164F66BCD}" type="datetime1">
               <a:rPr lang="en-US" smtClean="0"/>
-              <a:t>5/17/2022</a:t>
+              <a:t>6/8/2022</a:t>
             </a:fld>
             <a:endParaRPr lang="en-US"/>
           </a:p>
@@ -2717,7 +2806,7 @@
           <a:p>
             <a:fld id="{78AC6A5B-8AE7-4A41-B5A7-9ADC6686DC18}" type="datetime1">
               <a:rPr lang="en-US" smtClean="0"/>
-              <a:t>5/17/2022</a:t>
+              <a:t>6/8/2022</a:t>
             </a:fld>
             <a:endParaRPr lang="en-US"/>
           </a:p>
@@ -3063,7 +3152,7 @@
             <a:fld id="{57E0CF6C-748E-4B7A-BC8B-3011EF78ED13}" type="datetime1">
               <a:rPr lang="en-US" smtClean="0"/>
               <a:pPr/>
-              <a:t>5/17/2022</a:t>
+              <a:t>6/8/2022</a:t>
             </a:fld>
             <a:endParaRPr lang="en-US" dirty="0"/>
           </a:p>
@@ -4127,78 +4216,6 @@
       </p:sp>
       <p:sp>
         <p:nvSpPr>
-          <p:cNvPr id="2" name="Title 1">
-            <a:extLst>
-              <a:ext uri="{FF2B5EF4-FFF2-40B4-BE49-F238E27FC236}">
-                <a16:creationId xmlns:a16="http://schemas.microsoft.com/office/drawing/2014/main" id="{518E2463-67B8-9919-153C-B816BD674626}"/>
-              </a:ext>
-            </a:extLst>
-          </p:cNvPr>
-          <p:cNvSpPr>
-            <a:spLocks noGrp="1"/>
-          </p:cNvSpPr>
-          <p:nvPr>
-            <p:ph type="title"/>
-          </p:nvPr>
-        </p:nvSpPr>
-        <p:spPr>
-          <a:xfrm>
-            <a:off x="838201" y="559813"/>
-            <a:ext cx="8763000" cy="1664573"/>
-          </a:xfrm>
-        </p:spPr>
-        <p:txBody>
-          <a:bodyPr>
-            <a:normAutofit/>
-          </a:bodyPr>
-          <a:lstStyle/>
-          <a:p>
-            <a:endParaRPr lang="en-IN" dirty="0">
-              <a:solidFill>
-                <a:schemeClr val="tx2"/>
-              </a:solidFill>
-            </a:endParaRPr>
-          </a:p>
-        </p:txBody>
-      </p:sp>
-      <p:sp>
-        <p:nvSpPr>
-          <p:cNvPr id="3" name="Content Placeholder 2">
-            <a:extLst>
-              <a:ext uri="{FF2B5EF4-FFF2-40B4-BE49-F238E27FC236}">
-                <a16:creationId xmlns:a16="http://schemas.microsoft.com/office/drawing/2014/main" id="{B1EDAD27-297A-333D-D2CD-D48B53BFFB3C}"/>
-              </a:ext>
-            </a:extLst>
-          </p:cNvPr>
-          <p:cNvSpPr>
-            <a:spLocks noGrp="1"/>
-          </p:cNvSpPr>
-          <p:nvPr>
-            <p:ph idx="1"/>
-          </p:nvPr>
-        </p:nvSpPr>
-        <p:spPr>
-          <a:xfrm>
-            <a:off x="825797" y="2384474"/>
-            <a:ext cx="8762436" cy="3728613"/>
-          </a:xfrm>
-        </p:spPr>
-        <p:txBody>
-          <a:bodyPr>
-            <a:normAutofit/>
-          </a:bodyPr>
-          <a:lstStyle/>
-          <a:p>
-            <a:endParaRPr lang="en-IN" sz="1800">
-              <a:solidFill>
-                <a:schemeClr val="tx2"/>
-              </a:solidFill>
-            </a:endParaRPr>
-          </a:p>
-        </p:txBody>
-      </p:sp>
-      <p:sp>
-        <p:nvSpPr>
           <p:cNvPr id="12" name="Rectangle 11">
             <a:extLst>
               <a:ext uri="{FF2B5EF4-FFF2-40B4-BE49-F238E27FC236}">
@@ -4339,10 +4356,10 @@
       </p:sp>
       <p:pic>
         <p:nvPicPr>
-          <p:cNvPr id="6" name="Picture 5">
-            <a:extLst>
-              <a:ext uri="{FF2B5EF4-FFF2-40B4-BE49-F238E27FC236}">
-                <a16:creationId xmlns:a16="http://schemas.microsoft.com/office/drawing/2014/main" id="{38914BEE-1AF0-F347-FB2C-F0E9B524F938}"/>
+          <p:cNvPr id="5" name="Picture 4">
+            <a:extLst>
+              <a:ext uri="{FF2B5EF4-FFF2-40B4-BE49-F238E27FC236}">
+                <a16:creationId xmlns:a16="http://schemas.microsoft.com/office/drawing/2014/main" id="{6B524A89-E8AC-9E8A-30E8-B9A71AD1B43F}"/>
               </a:ext>
             </a:extLst>
           </p:cNvPr>
@@ -4351,16 +4368,15 @@
           </p:cNvPicPr>
           <p:nvPr/>
         </p:nvPicPr>
-        <p:blipFill>
+        <p:blipFill rotWithShape="1">
           <a:blip r:embed="rId3"/>
-          <a:stretch>
-            <a:fillRect/>
-          </a:stretch>
+          <a:srcRect b="25765"/>
+          <a:stretch/>
         </p:blipFill>
         <p:spPr>
           <a:xfrm>
-            <a:off x="291179" y="559813"/>
-            <a:ext cx="9469171" cy="5725324"/>
+            <a:off x="526595" y="707564"/>
+            <a:ext cx="8998339" cy="5442872"/>
           </a:xfrm>
           <a:prstGeom prst="rect">
             <a:avLst/>
@@ -4370,7 +4386,7 @@
     </p:spTree>
     <p:extLst>
       <p:ext uri="{BB962C8B-B14F-4D97-AF65-F5344CB8AC3E}">
-        <p14:creationId xmlns:p14="http://schemas.microsoft.com/office/powerpoint/2010/main" val="1448079116"/>
+        <p14:creationId xmlns:p14="http://schemas.microsoft.com/office/powerpoint/2010/main" val="61048788"/>
       </p:ext>
     </p:extLst>
   </p:cSld>
@@ -4760,10 +4776,10 @@
       </p:sp>
       <p:pic>
         <p:nvPicPr>
-          <p:cNvPr id="5" name="Picture 4">
-            <a:extLst>
-              <a:ext uri="{FF2B5EF4-FFF2-40B4-BE49-F238E27FC236}">
-                <a16:creationId xmlns:a16="http://schemas.microsoft.com/office/drawing/2014/main" id="{EFA56382-87FB-9104-FEB3-CF6D885FA34C}"/>
+          <p:cNvPr id="6" name="Picture 5">
+            <a:extLst>
+              <a:ext uri="{FF2B5EF4-FFF2-40B4-BE49-F238E27FC236}">
+                <a16:creationId xmlns:a16="http://schemas.microsoft.com/office/drawing/2014/main" id="{38914BEE-1AF0-F347-FB2C-F0E9B524F938}"/>
               </a:ext>
             </a:extLst>
           </p:cNvPr>
@@ -4780,8 +4796,8 @@
         </p:blipFill>
         <p:spPr>
           <a:xfrm>
-            <a:off x="615413" y="251099"/>
-            <a:ext cx="8985788" cy="6355801"/>
+            <a:off x="291179" y="559813"/>
+            <a:ext cx="9469171" cy="5725324"/>
           </a:xfrm>
           <a:prstGeom prst="rect">
             <a:avLst/>
@@ -4791,7 +4807,7 @@
     </p:spTree>
     <p:extLst>
       <p:ext uri="{BB962C8B-B14F-4D97-AF65-F5344CB8AC3E}">
-        <p14:creationId xmlns:p14="http://schemas.microsoft.com/office/powerpoint/2010/main" val="3020689800"/>
+        <p14:creationId xmlns:p14="http://schemas.microsoft.com/office/powerpoint/2010/main" val="1448079116"/>
       </p:ext>
     </p:extLst>
   </p:cSld>
@@ -5181,10 +5197,10 @@
       </p:sp>
       <p:pic>
         <p:nvPicPr>
-          <p:cNvPr id="6" name="Picture 5">
-            <a:extLst>
-              <a:ext uri="{FF2B5EF4-FFF2-40B4-BE49-F238E27FC236}">
-                <a16:creationId xmlns:a16="http://schemas.microsoft.com/office/drawing/2014/main" id="{693A4E25-6CF2-709D-18D9-CFB25039BBC4}"/>
+          <p:cNvPr id="5" name="Picture 4">
+            <a:extLst>
+              <a:ext uri="{FF2B5EF4-FFF2-40B4-BE49-F238E27FC236}">
+                <a16:creationId xmlns:a16="http://schemas.microsoft.com/office/drawing/2014/main" id="{EFA56382-87FB-9104-FEB3-CF6D885FA34C}"/>
               </a:ext>
             </a:extLst>
           </p:cNvPr>
@@ -5201,8 +5217,8 @@
         </p:blipFill>
         <p:spPr>
           <a:xfrm>
-            <a:off x="516845" y="212276"/>
-            <a:ext cx="9182937" cy="6433447"/>
+            <a:off x="615413" y="251099"/>
+            <a:ext cx="8985788" cy="6355801"/>
           </a:xfrm>
           <a:prstGeom prst="rect">
             <a:avLst/>
@@ -5212,7 +5228,7 @@
     </p:spTree>
     <p:extLst>
       <p:ext uri="{BB962C8B-B14F-4D97-AF65-F5344CB8AC3E}">
-        <p14:creationId xmlns:p14="http://schemas.microsoft.com/office/powerpoint/2010/main" val="1881492919"/>
+        <p14:creationId xmlns:p14="http://schemas.microsoft.com/office/powerpoint/2010/main" val="3020689800"/>
       </p:ext>
     </p:extLst>
   </p:cSld>
@@ -5390,6 +5406,78 @@
       </p:sp>
       <p:sp>
         <p:nvSpPr>
+          <p:cNvPr id="2" name="Title 1">
+            <a:extLst>
+              <a:ext uri="{FF2B5EF4-FFF2-40B4-BE49-F238E27FC236}">
+                <a16:creationId xmlns:a16="http://schemas.microsoft.com/office/drawing/2014/main" id="{518E2463-67B8-9919-153C-B816BD674626}"/>
+              </a:ext>
+            </a:extLst>
+          </p:cNvPr>
+          <p:cNvSpPr>
+            <a:spLocks noGrp="1"/>
+          </p:cNvSpPr>
+          <p:nvPr>
+            <p:ph type="title"/>
+          </p:nvPr>
+        </p:nvSpPr>
+        <p:spPr>
+          <a:xfrm>
+            <a:off x="838201" y="559813"/>
+            <a:ext cx="8763000" cy="1664573"/>
+          </a:xfrm>
+        </p:spPr>
+        <p:txBody>
+          <a:bodyPr>
+            <a:normAutofit/>
+          </a:bodyPr>
+          <a:lstStyle/>
+          <a:p>
+            <a:endParaRPr lang="en-IN" dirty="0">
+              <a:solidFill>
+                <a:schemeClr val="tx2"/>
+              </a:solidFill>
+            </a:endParaRPr>
+          </a:p>
+        </p:txBody>
+      </p:sp>
+      <p:sp>
+        <p:nvSpPr>
+          <p:cNvPr id="3" name="Content Placeholder 2">
+            <a:extLst>
+              <a:ext uri="{FF2B5EF4-FFF2-40B4-BE49-F238E27FC236}">
+                <a16:creationId xmlns:a16="http://schemas.microsoft.com/office/drawing/2014/main" id="{B1EDAD27-297A-333D-D2CD-D48B53BFFB3C}"/>
+              </a:ext>
+            </a:extLst>
+          </p:cNvPr>
+          <p:cNvSpPr>
+            <a:spLocks noGrp="1"/>
+          </p:cNvSpPr>
+          <p:nvPr>
+            <p:ph idx="1"/>
+          </p:nvPr>
+        </p:nvSpPr>
+        <p:spPr>
+          <a:xfrm>
+            <a:off x="825797" y="2384474"/>
+            <a:ext cx="8762436" cy="3728613"/>
+          </a:xfrm>
+        </p:spPr>
+        <p:txBody>
+          <a:bodyPr>
+            <a:normAutofit/>
+          </a:bodyPr>
+          <a:lstStyle/>
+          <a:p>
+            <a:endParaRPr lang="en-IN" sz="1800">
+              <a:solidFill>
+                <a:schemeClr val="tx2"/>
+              </a:solidFill>
+            </a:endParaRPr>
+          </a:p>
+        </p:txBody>
+      </p:sp>
+      <p:sp>
+        <p:nvSpPr>
           <p:cNvPr id="12" name="Rectangle 11">
             <a:extLst>
               <a:ext uri="{FF2B5EF4-FFF2-40B4-BE49-F238E27FC236}">
@@ -5530,10 +5618,10 @@
       </p:sp>
       <p:pic>
         <p:nvPicPr>
-          <p:cNvPr id="5" name="Picture 4">
-            <a:extLst>
-              <a:ext uri="{FF2B5EF4-FFF2-40B4-BE49-F238E27FC236}">
-                <a16:creationId xmlns:a16="http://schemas.microsoft.com/office/drawing/2014/main" id="{2A5F795F-2BD7-47E1-B5AB-BDE2EABCBBFF}"/>
+          <p:cNvPr id="6" name="Picture 5">
+            <a:extLst>
+              <a:ext uri="{FF2B5EF4-FFF2-40B4-BE49-F238E27FC236}">
+                <a16:creationId xmlns:a16="http://schemas.microsoft.com/office/drawing/2014/main" id="{693A4E25-6CF2-709D-18D9-CFB25039BBC4}"/>
               </a:ext>
             </a:extLst>
           </p:cNvPr>
@@ -5542,15 +5630,16 @@
           </p:cNvPicPr>
           <p:nvPr/>
         </p:nvPicPr>
-        <p:blipFill rotWithShape="1">
+        <p:blipFill>
           <a:blip r:embed="rId3"/>
-          <a:srcRect b="24734"/>
-          <a:stretch/>
+          <a:stretch>
+            <a:fillRect/>
+          </a:stretch>
         </p:blipFill>
         <p:spPr>
           <a:xfrm>
-            <a:off x="502978" y="628073"/>
-            <a:ext cx="9098223" cy="5255491"/>
+            <a:off x="516845" y="212276"/>
+            <a:ext cx="9182937" cy="6433447"/>
           </a:xfrm>
           <a:prstGeom prst="rect">
             <a:avLst/>
@@ -5560,7 +5649,7 @@
     </p:spTree>
     <p:extLst>
       <p:ext uri="{BB962C8B-B14F-4D97-AF65-F5344CB8AC3E}">
-        <p14:creationId xmlns:p14="http://schemas.microsoft.com/office/powerpoint/2010/main" val="2044273798"/>
+        <p14:creationId xmlns:p14="http://schemas.microsoft.com/office/powerpoint/2010/main" val="1881492919"/>
       </p:ext>
     </p:extLst>
   </p:cSld>
@@ -5738,42 +5827,6 @@
       </p:sp>
       <p:sp>
         <p:nvSpPr>
-          <p:cNvPr id="2" name="Title 1">
-            <a:extLst>
-              <a:ext uri="{FF2B5EF4-FFF2-40B4-BE49-F238E27FC236}">
-                <a16:creationId xmlns:a16="http://schemas.microsoft.com/office/drawing/2014/main" id="{518E2463-67B8-9919-153C-B816BD674626}"/>
-              </a:ext>
-            </a:extLst>
-          </p:cNvPr>
-          <p:cNvSpPr>
-            <a:spLocks noGrp="1"/>
-          </p:cNvSpPr>
-          <p:nvPr>
-            <p:ph type="title"/>
-          </p:nvPr>
-        </p:nvSpPr>
-        <p:spPr>
-          <a:xfrm>
-            <a:off x="838201" y="559813"/>
-            <a:ext cx="8763000" cy="1664573"/>
-          </a:xfrm>
-        </p:spPr>
-        <p:txBody>
-          <a:bodyPr>
-            <a:normAutofit/>
-          </a:bodyPr>
-          <a:lstStyle/>
-          <a:p>
-            <a:endParaRPr lang="en-IN" dirty="0">
-              <a:solidFill>
-                <a:schemeClr val="tx2"/>
-              </a:solidFill>
-            </a:endParaRPr>
-          </a:p>
-        </p:txBody>
-      </p:sp>
-      <p:sp>
-        <p:nvSpPr>
           <p:cNvPr id="12" name="Rectangle 11">
             <a:extLst>
               <a:ext uri="{FF2B5EF4-FFF2-40B4-BE49-F238E27FC236}">
@@ -5914,6 +5967,390 @@
       </p:sp>
       <p:pic>
         <p:nvPicPr>
+          <p:cNvPr id="5" name="Picture 4">
+            <a:extLst>
+              <a:ext uri="{FF2B5EF4-FFF2-40B4-BE49-F238E27FC236}">
+                <a16:creationId xmlns:a16="http://schemas.microsoft.com/office/drawing/2014/main" id="{2A5F795F-2BD7-47E1-B5AB-BDE2EABCBBFF}"/>
+              </a:ext>
+            </a:extLst>
+          </p:cNvPr>
+          <p:cNvPicPr>
+            <a:picLocks noChangeAspect="1"/>
+          </p:cNvPicPr>
+          <p:nvPr/>
+        </p:nvPicPr>
+        <p:blipFill rotWithShape="1">
+          <a:blip r:embed="rId3"/>
+          <a:srcRect b="24734"/>
+          <a:stretch/>
+        </p:blipFill>
+        <p:spPr>
+          <a:xfrm>
+            <a:off x="502978" y="628073"/>
+            <a:ext cx="9098223" cy="5255491"/>
+          </a:xfrm>
+          <a:prstGeom prst="rect">
+            <a:avLst/>
+          </a:prstGeom>
+        </p:spPr>
+      </p:pic>
+    </p:spTree>
+    <p:extLst>
+      <p:ext uri="{BB962C8B-B14F-4D97-AF65-F5344CB8AC3E}">
+        <p14:creationId xmlns:p14="http://schemas.microsoft.com/office/powerpoint/2010/main" val="2044273798"/>
+      </p:ext>
+    </p:extLst>
+  </p:cSld>
+  <p:clrMapOvr>
+    <a:masterClrMapping/>
+  </p:clrMapOvr>
+</p:sld>
+</file>
+
+<file path=ppt/slides/slide15.xml><?xml version="1.0" encoding="utf-8"?>
+<p:sld xmlns:a="http://schemas.openxmlformats.org/drawingml/2006/main" xmlns:r="http://schemas.openxmlformats.org/officeDocument/2006/relationships" xmlns:p="http://schemas.openxmlformats.org/presentationml/2006/main">
+  <p:cSld>
+    <p:bg>
+      <p:bgPr>
+        <a:solidFill>
+          <a:schemeClr val="bg1"/>
+        </a:solidFill>
+        <a:effectLst/>
+      </p:bgPr>
+    </p:bg>
+    <p:spTree>
+      <p:nvGrpSpPr>
+        <p:cNvPr id="1" name=""/>
+        <p:cNvGrpSpPr/>
+        <p:nvPr/>
+      </p:nvGrpSpPr>
+      <p:grpSpPr>
+        <a:xfrm>
+          <a:off x="0" y="0"/>
+          <a:ext cx="0" cy="0"/>
+          <a:chOff x="0" y="0"/>
+          <a:chExt cx="0" cy="0"/>
+        </a:xfrm>
+      </p:grpSpPr>
+      <p:sp useBgFill="1">
+        <p:nvSpPr>
+          <p:cNvPr id="8" name="Rectangle 7">
+            <a:extLst>
+              <a:ext uri="{FF2B5EF4-FFF2-40B4-BE49-F238E27FC236}">
+                <a16:creationId xmlns:a16="http://schemas.microsoft.com/office/drawing/2014/main" id="{8651CFA9-6065-4243-AC48-858E359780B1}"/>
+              </a:ext>
+              <a:ext uri="{C183D7F6-B498-43B3-948B-1728B52AA6E4}">
+                <adec:decorative xmlns:adec="http://schemas.microsoft.com/office/drawing/2017/decorative" val="1"/>
+              </a:ext>
+            </a:extLst>
+          </p:cNvPr>
+          <p:cNvSpPr>
+            <a:spLocks noGrp="1" noRot="1" noChangeAspect="1" noMove="1" noResize="1" noEditPoints="1" noAdjustHandles="1" noChangeArrowheads="1" noChangeShapeType="1" noTextEdit="1"/>
+          </p:cNvSpPr>
+          <p:nvPr>
+            <p:extLst>
+              <p:ext uri="{386F3935-93C4-4BCD-93E2-E3B085C9AB24}">
+                <p16:designElem xmlns:p16="http://schemas.microsoft.com/office/powerpoint/2015/main" val="1"/>
+              </p:ext>
+            </p:extLst>
+          </p:nvPr>
+        </p:nvSpPr>
+        <p:spPr>
+          <a:xfrm>
+            <a:off x="0" y="0"/>
+            <a:ext cx="12188952" cy="6858000"/>
+          </a:xfrm>
+          <a:prstGeom prst="rect">
+            <a:avLst/>
+          </a:prstGeom>
+          <a:ln>
+            <a:noFill/>
+          </a:ln>
+        </p:spPr>
+        <p:style>
+          <a:lnRef idx="2">
+            <a:schemeClr val="accent1">
+              <a:shade val="50000"/>
+            </a:schemeClr>
+          </a:lnRef>
+          <a:fillRef idx="1">
+            <a:schemeClr val="accent1"/>
+          </a:fillRef>
+          <a:effectRef idx="0">
+            <a:schemeClr val="accent1"/>
+          </a:effectRef>
+          <a:fontRef idx="minor">
+            <a:schemeClr val="lt1"/>
+          </a:fontRef>
+        </p:style>
+        <p:txBody>
+          <a:bodyPr rtlCol="0" anchor="ctr"/>
+          <a:lstStyle/>
+          <a:p>
+            <a:pPr algn="ctr"/>
+            <a:endParaRPr lang="en-US">
+              <a:solidFill>
+                <a:schemeClr val="tx1">
+                  <a:lumMod val="65000"/>
+                  <a:lumOff val="35000"/>
+                </a:schemeClr>
+              </a:solidFill>
+              <a:latin typeface="AvenirNext LT Pro Medium" panose="020B0504020202020204" pitchFamily="34" charset="0"/>
+            </a:endParaRPr>
+          </a:p>
+        </p:txBody>
+      </p:sp>
+      <p:sp>
+        <p:nvSpPr>
+          <p:cNvPr id="10" name="Rectangle 9">
+            <a:extLst>
+              <a:ext uri="{FF2B5EF4-FFF2-40B4-BE49-F238E27FC236}">
+                <a16:creationId xmlns:a16="http://schemas.microsoft.com/office/drawing/2014/main" id="{1DA57B7B-30D9-4515-9542-FFA699A3C8E8}"/>
+              </a:ext>
+              <a:ext uri="{C183D7F6-B498-43B3-948B-1728B52AA6E4}">
+                <adec:decorative xmlns:adec="http://schemas.microsoft.com/office/drawing/2017/decorative" val="1"/>
+              </a:ext>
+            </a:extLst>
+          </p:cNvPr>
+          <p:cNvSpPr>
+            <a:spLocks noGrp="1" noRot="1" noChangeAspect="1" noMove="1" noResize="1" noEditPoints="1" noAdjustHandles="1" noChangeArrowheads="1" noChangeShapeType="1" noTextEdit="1"/>
+          </p:cNvSpPr>
+          <p:nvPr>
+            <p:extLst>
+              <p:ext uri="{386F3935-93C4-4BCD-93E2-E3B085C9AB24}">
+                <p16:designElem xmlns:p16="http://schemas.microsoft.com/office/powerpoint/2015/main" val="1"/>
+              </p:ext>
+            </p:extLst>
+          </p:nvPr>
+        </p:nvSpPr>
+        <p:spPr>
+          <a:xfrm>
+            <a:off x="3048" y="0"/>
+            <a:ext cx="12188952" cy="6858000"/>
+          </a:xfrm>
+          <a:prstGeom prst="rect">
+            <a:avLst/>
+          </a:prstGeom>
+          <a:solidFill>
+            <a:schemeClr val="bg2">
+              <a:alpha val="70000"/>
+            </a:schemeClr>
+          </a:solidFill>
+          <a:ln>
+            <a:noFill/>
+          </a:ln>
+        </p:spPr>
+        <p:style>
+          <a:lnRef idx="2">
+            <a:schemeClr val="accent1">
+              <a:shade val="50000"/>
+            </a:schemeClr>
+          </a:lnRef>
+          <a:fillRef idx="1">
+            <a:schemeClr val="accent1"/>
+          </a:fillRef>
+          <a:effectRef idx="0">
+            <a:schemeClr val="accent1"/>
+          </a:effectRef>
+          <a:fontRef idx="minor">
+            <a:schemeClr val="lt1"/>
+          </a:fontRef>
+        </p:style>
+        <p:txBody>
+          <a:bodyPr rtlCol="0" anchor="ctr"/>
+          <a:lstStyle/>
+          <a:p>
+            <a:pPr algn="ctr"/>
+            <a:endParaRPr lang="en-US">
+              <a:solidFill>
+                <a:schemeClr val="tx1">
+                  <a:lumMod val="65000"/>
+                  <a:lumOff val="35000"/>
+                </a:schemeClr>
+              </a:solidFill>
+              <a:latin typeface="AvenirNext LT Pro Medium" panose="020B0504020202020204" pitchFamily="34" charset="0"/>
+            </a:endParaRPr>
+          </a:p>
+        </p:txBody>
+      </p:sp>
+      <p:sp>
+        <p:nvSpPr>
+          <p:cNvPr id="2" name="Title 1">
+            <a:extLst>
+              <a:ext uri="{FF2B5EF4-FFF2-40B4-BE49-F238E27FC236}">
+                <a16:creationId xmlns:a16="http://schemas.microsoft.com/office/drawing/2014/main" id="{518E2463-67B8-9919-153C-B816BD674626}"/>
+              </a:ext>
+            </a:extLst>
+          </p:cNvPr>
+          <p:cNvSpPr>
+            <a:spLocks noGrp="1"/>
+          </p:cNvSpPr>
+          <p:nvPr>
+            <p:ph type="title"/>
+          </p:nvPr>
+        </p:nvSpPr>
+        <p:spPr>
+          <a:xfrm>
+            <a:off x="838201" y="559813"/>
+            <a:ext cx="8763000" cy="1664573"/>
+          </a:xfrm>
+        </p:spPr>
+        <p:txBody>
+          <a:bodyPr>
+            <a:normAutofit/>
+          </a:bodyPr>
+          <a:lstStyle/>
+          <a:p>
+            <a:endParaRPr lang="en-IN" dirty="0">
+              <a:solidFill>
+                <a:schemeClr val="tx2"/>
+              </a:solidFill>
+            </a:endParaRPr>
+          </a:p>
+        </p:txBody>
+      </p:sp>
+      <p:sp>
+        <p:nvSpPr>
+          <p:cNvPr id="12" name="Rectangle 11">
+            <a:extLst>
+              <a:ext uri="{FF2B5EF4-FFF2-40B4-BE49-F238E27FC236}">
+                <a16:creationId xmlns:a16="http://schemas.microsoft.com/office/drawing/2014/main" id="{9729F241-2B1B-40E9-A72C-63955DFFF74B}"/>
+              </a:ext>
+              <a:ext uri="{C183D7F6-B498-43B3-948B-1728B52AA6E4}">
+                <adec:decorative xmlns:adec="http://schemas.microsoft.com/office/drawing/2017/decorative" val="1"/>
+              </a:ext>
+            </a:extLst>
+          </p:cNvPr>
+          <p:cNvSpPr>
+            <a:spLocks noGrp="1" noRot="1" noChangeAspect="1" noMove="1" noResize="1" noEditPoints="1" noAdjustHandles="1" noChangeArrowheads="1" noChangeShapeType="1" noTextEdit="1"/>
+          </p:cNvSpPr>
+          <p:nvPr>
+            <p:extLst>
+              <p:ext uri="{386F3935-93C4-4BCD-93E2-E3B085C9AB24}">
+                <p16:designElem xmlns:p16="http://schemas.microsoft.com/office/powerpoint/2015/main" val="1"/>
+              </p:ext>
+            </p:extLst>
+          </p:nvPr>
+        </p:nvSpPr>
+        <p:spPr>
+          <a:xfrm>
+            <a:off x="10048481" y="0"/>
+            <a:ext cx="2143519" cy="6858000"/>
+          </a:xfrm>
+          <a:prstGeom prst="rect">
+            <a:avLst/>
+          </a:prstGeom>
+          <a:solidFill>
+            <a:schemeClr val="tx2">
+              <a:lumMod val="90000"/>
+              <a:lumOff val="10000"/>
+            </a:schemeClr>
+          </a:solidFill>
+          <a:ln>
+            <a:noFill/>
+          </a:ln>
+        </p:spPr>
+        <p:style>
+          <a:lnRef idx="2">
+            <a:schemeClr val="accent1">
+              <a:shade val="50000"/>
+            </a:schemeClr>
+          </a:lnRef>
+          <a:fillRef idx="1">
+            <a:schemeClr val="accent1"/>
+          </a:fillRef>
+          <a:effectRef idx="0">
+            <a:schemeClr val="accent1"/>
+          </a:effectRef>
+          <a:fontRef idx="minor">
+            <a:schemeClr val="lt1"/>
+          </a:fontRef>
+        </p:style>
+        <p:txBody>
+          <a:bodyPr rtlCol="0" anchor="ctr"/>
+          <a:lstStyle/>
+          <a:p>
+            <a:pPr algn="ctr"/>
+            <a:endParaRPr lang="en-US" dirty="0"/>
+          </a:p>
+        </p:txBody>
+      </p:sp>
+      <p:sp>
+        <p:nvSpPr>
+          <p:cNvPr id="14" name="Rectangle 13">
+            <a:extLst>
+              <a:ext uri="{FF2B5EF4-FFF2-40B4-BE49-F238E27FC236}">
+                <a16:creationId xmlns:a16="http://schemas.microsoft.com/office/drawing/2014/main" id="{52B4B9D7-F359-44A2-87B4-EAFA68AA9781}"/>
+              </a:ext>
+              <a:ext uri="{C183D7F6-B498-43B3-948B-1728B52AA6E4}">
+                <adec:decorative xmlns:adec="http://schemas.microsoft.com/office/drawing/2017/decorative" val="1"/>
+              </a:ext>
+            </a:extLst>
+          </p:cNvPr>
+          <p:cNvSpPr>
+            <a:spLocks noGrp="1" noRot="1" noChangeAspect="1" noMove="1" noResize="1" noEditPoints="1" noAdjustHandles="1" noChangeArrowheads="1" noChangeShapeType="1" noTextEdit="1"/>
+          </p:cNvSpPr>
+          <p:nvPr>
+            <p:extLst>
+              <p:ext uri="{386F3935-93C4-4BCD-93E2-E3B085C9AB24}">
+                <p16:designElem xmlns:p16="http://schemas.microsoft.com/office/powerpoint/2015/main" val="1"/>
+              </p:ext>
+            </p:extLst>
+          </p:nvPr>
+        </p:nvSpPr>
+        <p:spPr>
+          <a:xfrm>
+            <a:off x="10048481" y="0"/>
+            <a:ext cx="2143519" cy="6858000"/>
+          </a:xfrm>
+          <a:prstGeom prst="rect">
+            <a:avLst/>
+          </a:prstGeom>
+          <a:blipFill dpi="0" rotWithShape="1">
+            <a:blip r:embed="rId2">
+              <a:alphaModFix amt="40000"/>
+              <a:duotone>
+                <a:schemeClr val="accent1">
+                  <a:shade val="45000"/>
+                  <a:satMod val="135000"/>
+                </a:schemeClr>
+                <a:prstClr val="white"/>
+              </a:duotone>
+            </a:blip>
+            <a:srcRect/>
+            <a:tile tx="889000" ty="0" sx="100000" sy="100000" flip="xy" algn="tr"/>
+          </a:blipFill>
+          <a:ln>
+            <a:noFill/>
+          </a:ln>
+        </p:spPr>
+        <p:style>
+          <a:lnRef idx="2">
+            <a:schemeClr val="accent1">
+              <a:shade val="50000"/>
+            </a:schemeClr>
+          </a:lnRef>
+          <a:fillRef idx="1">
+            <a:schemeClr val="accent1"/>
+          </a:fillRef>
+          <a:effectRef idx="0">
+            <a:schemeClr val="accent1"/>
+          </a:effectRef>
+          <a:fontRef idx="minor">
+            <a:schemeClr val="lt1"/>
+          </a:fontRef>
+        </p:style>
+        <p:txBody>
+          <a:bodyPr rtlCol="0" anchor="ctr"/>
+          <a:lstStyle/>
+          <a:p>
+            <a:pPr algn="ctr"/>
+            <a:endParaRPr lang="en-US" dirty="0"/>
+          </a:p>
+        </p:txBody>
+      </p:sp>
+      <p:pic>
+        <p:nvPicPr>
           <p:cNvPr id="4" name="Picture 3">
             <a:extLst>
               <a:ext uri="{FF2B5EF4-FFF2-40B4-BE49-F238E27FC236}">
@@ -5955,7 +6392,7 @@
 </p:sld>
 </file>
 
-<file path=ppt/slides/slide15.xml><?xml version="1.0" encoding="utf-8"?>
+<file path=ppt/slides/slide16.xml><?xml version="1.0" encoding="utf-8"?>
 <p:sld xmlns:a="http://schemas.openxmlformats.org/drawingml/2006/main" xmlns:r="http://schemas.openxmlformats.org/officeDocument/2006/relationships" xmlns:p="http://schemas.openxmlformats.org/presentationml/2006/main">
   <p:cSld>
     <p:bg>
@@ -6604,7 +7041,7 @@
                   <a:schemeClr val="tx2"/>
                 </a:solidFill>
               </a:rPr>
-              <a:t>If the user wants to hear the standard pronunciation in a different voice / accent  or with different speed and pitch he can do so by exploring various options. If he likes some options specifically, he can choose to save those preferences.</a:t>
+              <a:t>If the user wants to hear the standard pronunciation in a different voice / accent  or with different speed and pitch, he can do so by exploring various options. If he likes some options specifically, he can choose to save those preferences.</a:t>
             </a:r>
           </a:p>
           <a:p>
@@ -7053,7 +7490,7 @@
                   <a:schemeClr val="tx2"/>
                 </a:solidFill>
               </a:rPr>
-              <a:t>The system uses intelligent locale detection models to automatically detect the locale (country) of the name entered and even if the user doesn’t select any country the system will return a natural sounding pronunciation using its model.</a:t>
+              <a:t>The system uses intelligent locale detection models to automatically detect the locale (country) of the name entered and even if the user doesn’t select any country the system will return a natural sounding pronunciation.</a:t>
             </a:r>
           </a:p>
           <a:p>
@@ -7903,6 +8340,50 @@
       </p:sp>
       <p:sp>
         <p:nvSpPr>
+          <p:cNvPr id="2" name="Title 1">
+            <a:extLst>
+              <a:ext uri="{FF2B5EF4-FFF2-40B4-BE49-F238E27FC236}">
+                <a16:creationId xmlns:a16="http://schemas.microsoft.com/office/drawing/2014/main" id="{5153E5DC-9EE5-E56A-6F4E-5E09B2803BC8}"/>
+              </a:ext>
+            </a:extLst>
+          </p:cNvPr>
+          <p:cNvSpPr>
+            <a:spLocks noGrp="1"/>
+          </p:cNvSpPr>
+          <p:nvPr>
+            <p:ph type="title"/>
+          </p:nvPr>
+        </p:nvSpPr>
+        <p:spPr>
+          <a:xfrm>
+            <a:off x="284019" y="153413"/>
+            <a:ext cx="8763000" cy="1664573"/>
+          </a:xfrm>
+        </p:spPr>
+        <p:txBody>
+          <a:bodyPr>
+            <a:normAutofit/>
+          </a:bodyPr>
+          <a:lstStyle/>
+          <a:p>
+            <a:r>
+              <a:rPr lang="en-US" sz="3200" dirty="0">
+                <a:solidFill>
+                  <a:schemeClr val="tx2"/>
+                </a:solidFill>
+              </a:rPr>
+              <a:t>Design Flow</a:t>
+            </a:r>
+            <a:endParaRPr lang="en-IN" sz="3200" dirty="0">
+              <a:solidFill>
+                <a:schemeClr val="tx2"/>
+              </a:solidFill>
+            </a:endParaRPr>
+          </a:p>
+        </p:txBody>
+      </p:sp>
+      <p:sp>
+        <p:nvSpPr>
           <p:cNvPr id="12" name="Rectangle 11">
             <a:extLst>
               <a:ext uri="{FF2B5EF4-FFF2-40B4-BE49-F238E27FC236}">
@@ -8043,10 +8524,10 @@
       </p:sp>
       <p:pic>
         <p:nvPicPr>
-          <p:cNvPr id="5" name="Picture 4">
-            <a:extLst>
-              <a:ext uri="{FF2B5EF4-FFF2-40B4-BE49-F238E27FC236}">
-                <a16:creationId xmlns:a16="http://schemas.microsoft.com/office/drawing/2014/main" id="{2FACFB1B-748E-0871-0D6B-41381210190E}"/>
+          <p:cNvPr id="7" name="Picture 6">
+            <a:extLst>
+              <a:ext uri="{FF2B5EF4-FFF2-40B4-BE49-F238E27FC236}">
+                <a16:creationId xmlns:a16="http://schemas.microsoft.com/office/drawing/2014/main" id="{AD5390FA-A950-B356-A88B-D06DF0D90D9F}"/>
               </a:ext>
             </a:extLst>
           </p:cNvPr>
@@ -8063,8 +8544,8 @@
         </p:blipFill>
         <p:spPr>
           <a:xfrm>
-            <a:off x="243547" y="1235934"/>
-            <a:ext cx="9564435" cy="4386131"/>
+            <a:off x="358857" y="76622"/>
+            <a:ext cx="9188893" cy="6704756"/>
           </a:xfrm>
           <a:prstGeom prst="rect">
             <a:avLst/>
@@ -8074,7 +8555,7 @@
     </p:spTree>
     <p:extLst>
       <p:ext uri="{BB962C8B-B14F-4D97-AF65-F5344CB8AC3E}">
-        <p14:creationId xmlns:p14="http://schemas.microsoft.com/office/powerpoint/2010/main" val="3139828923"/>
+        <p14:creationId xmlns:p14="http://schemas.microsoft.com/office/powerpoint/2010/main" val="311600208"/>
       </p:ext>
     </p:extLst>
   </p:cSld>
@@ -8392,10 +8873,10 @@
       </p:sp>
       <p:pic>
         <p:nvPicPr>
-          <p:cNvPr id="3" name="Picture 2">
-            <a:extLst>
-              <a:ext uri="{FF2B5EF4-FFF2-40B4-BE49-F238E27FC236}">
-                <a16:creationId xmlns:a16="http://schemas.microsoft.com/office/drawing/2014/main" id="{0E35FEB5-285D-E0E2-B4FB-8B73DBD4B6FC}"/>
+          <p:cNvPr id="5" name="Picture 4">
+            <a:extLst>
+              <a:ext uri="{FF2B5EF4-FFF2-40B4-BE49-F238E27FC236}">
+                <a16:creationId xmlns:a16="http://schemas.microsoft.com/office/drawing/2014/main" id="{2FACFB1B-748E-0871-0D6B-41381210190E}"/>
               </a:ext>
             </a:extLst>
           </p:cNvPr>
@@ -8412,8 +8893,8 @@
         </p:blipFill>
         <p:spPr>
           <a:xfrm>
-            <a:off x="291179" y="711676"/>
-            <a:ext cx="9469171" cy="5582429"/>
+            <a:off x="243547" y="1235934"/>
+            <a:ext cx="9564435" cy="4386131"/>
           </a:xfrm>
           <a:prstGeom prst="rect">
             <a:avLst/>
@@ -8423,7 +8904,7 @@
     </p:spTree>
     <p:extLst>
       <p:ext uri="{BB962C8B-B14F-4D97-AF65-F5344CB8AC3E}">
-        <p14:creationId xmlns:p14="http://schemas.microsoft.com/office/powerpoint/2010/main" val="3412185383"/>
+        <p14:creationId xmlns:p14="http://schemas.microsoft.com/office/powerpoint/2010/main" val="3139828923"/>
       </p:ext>
     </p:extLst>
   </p:cSld>
@@ -8601,78 +9082,6 @@
       </p:sp>
       <p:sp>
         <p:nvSpPr>
-          <p:cNvPr id="2" name="Title 1">
-            <a:extLst>
-              <a:ext uri="{FF2B5EF4-FFF2-40B4-BE49-F238E27FC236}">
-                <a16:creationId xmlns:a16="http://schemas.microsoft.com/office/drawing/2014/main" id="{518E2463-67B8-9919-153C-B816BD674626}"/>
-              </a:ext>
-            </a:extLst>
-          </p:cNvPr>
-          <p:cNvSpPr>
-            <a:spLocks noGrp="1"/>
-          </p:cNvSpPr>
-          <p:nvPr>
-            <p:ph type="title"/>
-          </p:nvPr>
-        </p:nvSpPr>
-        <p:spPr>
-          <a:xfrm>
-            <a:off x="838201" y="559813"/>
-            <a:ext cx="8763000" cy="1664573"/>
-          </a:xfrm>
-        </p:spPr>
-        <p:txBody>
-          <a:bodyPr>
-            <a:normAutofit/>
-          </a:bodyPr>
-          <a:lstStyle/>
-          <a:p>
-            <a:endParaRPr lang="en-IN" dirty="0">
-              <a:solidFill>
-                <a:schemeClr val="tx2"/>
-              </a:solidFill>
-            </a:endParaRPr>
-          </a:p>
-        </p:txBody>
-      </p:sp>
-      <p:sp>
-        <p:nvSpPr>
-          <p:cNvPr id="3" name="Content Placeholder 2">
-            <a:extLst>
-              <a:ext uri="{FF2B5EF4-FFF2-40B4-BE49-F238E27FC236}">
-                <a16:creationId xmlns:a16="http://schemas.microsoft.com/office/drawing/2014/main" id="{B1EDAD27-297A-333D-D2CD-D48B53BFFB3C}"/>
-              </a:ext>
-            </a:extLst>
-          </p:cNvPr>
-          <p:cNvSpPr>
-            <a:spLocks noGrp="1"/>
-          </p:cNvSpPr>
-          <p:nvPr>
-            <p:ph idx="1"/>
-          </p:nvPr>
-        </p:nvSpPr>
-        <p:spPr>
-          <a:xfrm>
-            <a:off x="825797" y="2384474"/>
-            <a:ext cx="8762436" cy="3728613"/>
-          </a:xfrm>
-        </p:spPr>
-        <p:txBody>
-          <a:bodyPr>
-            <a:normAutofit/>
-          </a:bodyPr>
-          <a:lstStyle/>
-          <a:p>
-            <a:endParaRPr lang="en-IN" sz="1800">
-              <a:solidFill>
-                <a:schemeClr val="tx2"/>
-              </a:solidFill>
-            </a:endParaRPr>
-          </a:p>
-        </p:txBody>
-      </p:sp>
-      <p:sp>
-        <p:nvSpPr>
           <p:cNvPr id="12" name="Rectangle 11">
             <a:extLst>
               <a:ext uri="{FF2B5EF4-FFF2-40B4-BE49-F238E27FC236}">
@@ -8813,10 +9222,10 @@
       </p:sp>
       <p:pic>
         <p:nvPicPr>
-          <p:cNvPr id="5" name="Picture 4">
-            <a:extLst>
-              <a:ext uri="{FF2B5EF4-FFF2-40B4-BE49-F238E27FC236}">
-                <a16:creationId xmlns:a16="http://schemas.microsoft.com/office/drawing/2014/main" id="{207568F2-8D2C-5F2D-AA6D-EA68A982E924}"/>
+          <p:cNvPr id="3" name="Picture 2">
+            <a:extLst>
+              <a:ext uri="{FF2B5EF4-FFF2-40B4-BE49-F238E27FC236}">
+                <a16:creationId xmlns:a16="http://schemas.microsoft.com/office/drawing/2014/main" id="{0E35FEB5-285D-E0E2-B4FB-8B73DBD4B6FC}"/>
               </a:ext>
             </a:extLst>
           </p:cNvPr>
@@ -8833,8 +9242,8 @@
         </p:blipFill>
         <p:spPr>
           <a:xfrm>
-            <a:off x="329284" y="452583"/>
-            <a:ext cx="9392961" cy="5870660"/>
+            <a:off x="291179" y="711676"/>
+            <a:ext cx="9469171" cy="5582429"/>
           </a:xfrm>
           <a:prstGeom prst="rect">
             <a:avLst/>
@@ -8844,7 +9253,7 @@
     </p:spTree>
     <p:extLst>
       <p:ext uri="{BB962C8B-B14F-4D97-AF65-F5344CB8AC3E}">
-        <p14:creationId xmlns:p14="http://schemas.microsoft.com/office/powerpoint/2010/main" val="3956746004"/>
+        <p14:creationId xmlns:p14="http://schemas.microsoft.com/office/powerpoint/2010/main" val="3412185383"/>
       </p:ext>
     </p:extLst>
   </p:cSld>
@@ -9237,7 +9646,7 @@
           <p:cNvPr id="5" name="Picture 4">
             <a:extLst>
               <a:ext uri="{FF2B5EF4-FFF2-40B4-BE49-F238E27FC236}">
-                <a16:creationId xmlns:a16="http://schemas.microsoft.com/office/drawing/2014/main" id="{827B74F9-D4E1-4D1A-B8A8-3BB26C3B1CCF}"/>
+                <a16:creationId xmlns:a16="http://schemas.microsoft.com/office/drawing/2014/main" id="{207568F2-8D2C-5F2D-AA6D-EA68A982E924}"/>
               </a:ext>
             </a:extLst>
           </p:cNvPr>
@@ -9254,8 +9663,8 @@
         </p:blipFill>
         <p:spPr>
           <a:xfrm>
-            <a:off x="539543" y="428206"/>
-            <a:ext cx="9154803" cy="6001588"/>
+            <a:off x="329284" y="452583"/>
+            <a:ext cx="9392961" cy="5870660"/>
           </a:xfrm>
           <a:prstGeom prst="rect">
             <a:avLst/>
@@ -9265,7 +9674,7 @@
     </p:spTree>
     <p:extLst>
       <p:ext uri="{BB962C8B-B14F-4D97-AF65-F5344CB8AC3E}">
-        <p14:creationId xmlns:p14="http://schemas.microsoft.com/office/powerpoint/2010/main" val="2589594184"/>
+        <p14:creationId xmlns:p14="http://schemas.microsoft.com/office/powerpoint/2010/main" val="3956746004"/>
       </p:ext>
     </p:extLst>
   </p:cSld>
@@ -9443,6 +9852,78 @@
       </p:sp>
       <p:sp>
         <p:nvSpPr>
+          <p:cNvPr id="2" name="Title 1">
+            <a:extLst>
+              <a:ext uri="{FF2B5EF4-FFF2-40B4-BE49-F238E27FC236}">
+                <a16:creationId xmlns:a16="http://schemas.microsoft.com/office/drawing/2014/main" id="{518E2463-67B8-9919-153C-B816BD674626}"/>
+              </a:ext>
+            </a:extLst>
+          </p:cNvPr>
+          <p:cNvSpPr>
+            <a:spLocks noGrp="1"/>
+          </p:cNvSpPr>
+          <p:nvPr>
+            <p:ph type="title"/>
+          </p:nvPr>
+        </p:nvSpPr>
+        <p:spPr>
+          <a:xfrm>
+            <a:off x="838201" y="559813"/>
+            <a:ext cx="8763000" cy="1664573"/>
+          </a:xfrm>
+        </p:spPr>
+        <p:txBody>
+          <a:bodyPr>
+            <a:normAutofit/>
+          </a:bodyPr>
+          <a:lstStyle/>
+          <a:p>
+            <a:endParaRPr lang="en-IN" dirty="0">
+              <a:solidFill>
+                <a:schemeClr val="tx2"/>
+              </a:solidFill>
+            </a:endParaRPr>
+          </a:p>
+        </p:txBody>
+      </p:sp>
+      <p:sp>
+        <p:nvSpPr>
+          <p:cNvPr id="3" name="Content Placeholder 2">
+            <a:extLst>
+              <a:ext uri="{FF2B5EF4-FFF2-40B4-BE49-F238E27FC236}">
+                <a16:creationId xmlns:a16="http://schemas.microsoft.com/office/drawing/2014/main" id="{B1EDAD27-297A-333D-D2CD-D48B53BFFB3C}"/>
+              </a:ext>
+            </a:extLst>
+          </p:cNvPr>
+          <p:cNvSpPr>
+            <a:spLocks noGrp="1"/>
+          </p:cNvSpPr>
+          <p:nvPr>
+            <p:ph idx="1"/>
+          </p:nvPr>
+        </p:nvSpPr>
+        <p:spPr>
+          <a:xfrm>
+            <a:off x="825797" y="2384474"/>
+            <a:ext cx="8762436" cy="3728613"/>
+          </a:xfrm>
+        </p:spPr>
+        <p:txBody>
+          <a:bodyPr>
+            <a:normAutofit/>
+          </a:bodyPr>
+          <a:lstStyle/>
+          <a:p>
+            <a:endParaRPr lang="en-IN" sz="1800">
+              <a:solidFill>
+                <a:schemeClr val="tx2"/>
+              </a:solidFill>
+            </a:endParaRPr>
+          </a:p>
+        </p:txBody>
+      </p:sp>
+      <p:sp>
+        <p:nvSpPr>
           <p:cNvPr id="12" name="Rectangle 11">
             <a:extLst>
               <a:ext uri="{FF2B5EF4-FFF2-40B4-BE49-F238E27FC236}">
@@ -9586,7 +10067,7 @@
           <p:cNvPr id="5" name="Picture 4">
             <a:extLst>
               <a:ext uri="{FF2B5EF4-FFF2-40B4-BE49-F238E27FC236}">
-                <a16:creationId xmlns:a16="http://schemas.microsoft.com/office/drawing/2014/main" id="{6B524A89-E8AC-9E8A-30E8-B9A71AD1B43F}"/>
+                <a16:creationId xmlns:a16="http://schemas.microsoft.com/office/drawing/2014/main" id="{827B74F9-D4E1-4D1A-B8A8-3BB26C3B1CCF}"/>
               </a:ext>
             </a:extLst>
           </p:cNvPr>
@@ -9595,15 +10076,16 @@
           </p:cNvPicPr>
           <p:nvPr/>
         </p:nvPicPr>
-        <p:blipFill rotWithShape="1">
+        <p:blipFill>
           <a:blip r:embed="rId3"/>
-          <a:srcRect b="25765"/>
-          <a:stretch/>
+          <a:stretch>
+            <a:fillRect/>
+          </a:stretch>
         </p:blipFill>
         <p:spPr>
           <a:xfrm>
-            <a:off x="526595" y="707564"/>
-            <a:ext cx="8998339" cy="5442872"/>
+            <a:off x="539543" y="428206"/>
+            <a:ext cx="9154803" cy="6001588"/>
           </a:xfrm>
           <a:prstGeom prst="rect">
             <a:avLst/>
@@ -9613,7 +10095,7 @@
     </p:spTree>
     <p:extLst>
       <p:ext uri="{BB962C8B-B14F-4D97-AF65-F5344CB8AC3E}">
-        <p14:creationId xmlns:p14="http://schemas.microsoft.com/office/powerpoint/2010/main" val="61048788"/>
+        <p14:creationId xmlns:p14="http://schemas.microsoft.com/office/powerpoint/2010/main" val="2589594184"/>
       </p:ext>
     </p:extLst>
   </p:cSld>
